--- a/Case Study.pptx
+++ b/Case Study.pptx
@@ -261,6 +261,11 @@
       </a:defRPr>
     </a:lvl9pPr>
   </p:defaultTextStyle>
+  <p:extLst>
+    <p:ext uri="{EFAFB233-063F-42B5-8137-9DF3F51BA10A}">
+      <p15:sldGuideLst xmlns:p15="http://schemas.microsoft.com/office/powerpoint/2012/main"/>
+    </p:ext>
+  </p:extLst>
 </p:presentation>
 </file>
 
@@ -7487,11 +7492,11 @@
       </p:sp>
       <p:pic>
         <p:nvPicPr>
-          <p:cNvPr id="1026" name="Picture 2">
+          <p:cNvPr id="1028" name="Picture 4">
             <a:hlinkClick r:id="rId3"/>
             <a:extLst>
               <a:ext uri="{FF2B5EF4-FFF2-40B4-BE49-F238E27FC236}">
-                <a16:creationId xmlns:a16="http://schemas.microsoft.com/office/drawing/2014/main" id="{5672ED04-BEFE-134E-8059-454650ADD275}"/>
+                <a16:creationId xmlns:a16="http://schemas.microsoft.com/office/drawing/2014/main" id="{294305ED-B129-AC42-B921-6D759E0BD05D}"/>
               </a:ext>
             </a:extLst>
           </p:cNvPr>
@@ -7515,8 +7520,8 @@
         </p:blipFill>
         <p:spPr bwMode="auto">
           <a:xfrm>
-            <a:off x="1181554" y="978698"/>
-            <a:ext cx="6675152" cy="3931603"/>
+            <a:off x="1518781" y="931382"/>
+            <a:ext cx="6106437" cy="4026235"/>
           </a:xfrm>
           <a:prstGeom prst="rect">
             <a:avLst/>
